--- a/NodeJS-Material/Routing with Express.pptx
+++ b/NodeJS-Material/Routing with Express.pptx
@@ -114,7 +114,7 @@
   </p:defaultTextStyle>
   <p:extLst>
     <p:ext uri="{EFAFB233-063F-42B5-8137-9DF3F51BA10A}">
-      <p15:sldGuideLst xmlns:p15="http://schemas.microsoft.com/office/powerpoint/2012/main"/>
+      <p15:sldGuideLst xmlns:p15="http://schemas.microsoft.com/office/powerpoint/2012/main" xmlns=""/>
     </p:ext>
   </p:extLst>
 </p:presentation>
@@ -844,7 +844,7 @@
           <p:cNvPr id="2" name="Title 1">
             <a:extLst>
               <a:ext uri="{FF2B5EF4-FFF2-40B4-BE49-F238E27FC236}">
-                <a16:creationId xmlns:a16="http://schemas.microsoft.com/office/drawing/2014/main" id="{87DC8758-6C62-B1E9-C2FB-DD0090027F2C}"/>
+                <a16:creationId xmlns:a16="http://schemas.microsoft.com/office/drawing/2014/main" xmlns="" id="{87DC8758-6C62-B1E9-C2FB-DD0090027F2C}"/>
               </a:ext>
             </a:extLst>
           </p:cNvPr>
@@ -881,7 +881,7 @@
           <p:cNvPr id="3" name="Subtitle 2">
             <a:extLst>
               <a:ext uri="{FF2B5EF4-FFF2-40B4-BE49-F238E27FC236}">
-                <a16:creationId xmlns:a16="http://schemas.microsoft.com/office/drawing/2014/main" id="{4F8DADB8-E001-B9D8-B435-B75D70A79008}"/>
+                <a16:creationId xmlns:a16="http://schemas.microsoft.com/office/drawing/2014/main" xmlns="" id="{4F8DADB8-E001-B9D8-B435-B75D70A79008}"/>
               </a:ext>
             </a:extLst>
           </p:cNvPr>
@@ -951,7 +951,7 @@
           <p:cNvPr id="4" name="Date Placeholder 3">
             <a:extLst>
               <a:ext uri="{FF2B5EF4-FFF2-40B4-BE49-F238E27FC236}">
-                <a16:creationId xmlns:a16="http://schemas.microsoft.com/office/drawing/2014/main" id="{10ECC87B-642D-7360-508C-59B1C86B6BE2}"/>
+                <a16:creationId xmlns:a16="http://schemas.microsoft.com/office/drawing/2014/main" xmlns="" id="{10ECC87B-642D-7360-508C-59B1C86B6BE2}"/>
               </a:ext>
             </a:extLst>
           </p:cNvPr>
@@ -980,7 +980,7 @@
           <p:cNvPr id="5" name="Footer Placeholder 4">
             <a:extLst>
               <a:ext uri="{FF2B5EF4-FFF2-40B4-BE49-F238E27FC236}">
-                <a16:creationId xmlns:a16="http://schemas.microsoft.com/office/drawing/2014/main" id="{A1022278-CE94-6510-5F27-FD9AAE1D4DFA}"/>
+                <a16:creationId xmlns:a16="http://schemas.microsoft.com/office/drawing/2014/main" xmlns="" id="{A1022278-CE94-6510-5F27-FD9AAE1D4DFA}"/>
               </a:ext>
             </a:extLst>
           </p:cNvPr>
@@ -1005,7 +1005,7 @@
           <p:cNvPr id="6" name="Slide Number Placeholder 5">
             <a:extLst>
               <a:ext uri="{FF2B5EF4-FFF2-40B4-BE49-F238E27FC236}">
-                <a16:creationId xmlns:a16="http://schemas.microsoft.com/office/drawing/2014/main" id="{56C74433-D7F0-0044-A1E8-F40DBE68370B}"/>
+                <a16:creationId xmlns:a16="http://schemas.microsoft.com/office/drawing/2014/main" xmlns="" id="{56C74433-D7F0-0044-A1E8-F40DBE68370B}"/>
               </a:ext>
             </a:extLst>
           </p:cNvPr>
@@ -1064,7 +1064,7 @@
           <p:cNvPr id="2" name="Title 1">
             <a:extLst>
               <a:ext uri="{FF2B5EF4-FFF2-40B4-BE49-F238E27FC236}">
-                <a16:creationId xmlns:a16="http://schemas.microsoft.com/office/drawing/2014/main" id="{FD49CEF1-B557-75AA-E92D-BF252DD747A5}"/>
+                <a16:creationId xmlns:a16="http://schemas.microsoft.com/office/drawing/2014/main" xmlns="" id="{FD49CEF1-B557-75AA-E92D-BF252DD747A5}"/>
               </a:ext>
             </a:extLst>
           </p:cNvPr>
@@ -1092,7 +1092,7 @@
           <p:cNvPr id="3" name="Vertical Text Placeholder 2">
             <a:extLst>
               <a:ext uri="{FF2B5EF4-FFF2-40B4-BE49-F238E27FC236}">
-                <a16:creationId xmlns:a16="http://schemas.microsoft.com/office/drawing/2014/main" id="{A46F4F25-78E2-556C-7A09-A38CC7BE348F}"/>
+                <a16:creationId xmlns:a16="http://schemas.microsoft.com/office/drawing/2014/main" xmlns="" id="{A46F4F25-78E2-556C-7A09-A38CC7BE348F}"/>
               </a:ext>
             </a:extLst>
           </p:cNvPr>
@@ -1149,7 +1149,7 @@
           <p:cNvPr id="4" name="Date Placeholder 3">
             <a:extLst>
               <a:ext uri="{FF2B5EF4-FFF2-40B4-BE49-F238E27FC236}">
-                <a16:creationId xmlns:a16="http://schemas.microsoft.com/office/drawing/2014/main" id="{9A794BA1-778D-47B3-594B-4D49A26E9010}"/>
+                <a16:creationId xmlns:a16="http://schemas.microsoft.com/office/drawing/2014/main" xmlns="" id="{9A794BA1-778D-47B3-594B-4D49A26E9010}"/>
               </a:ext>
             </a:extLst>
           </p:cNvPr>
@@ -1178,7 +1178,7 @@
           <p:cNvPr id="5" name="Footer Placeholder 4">
             <a:extLst>
               <a:ext uri="{FF2B5EF4-FFF2-40B4-BE49-F238E27FC236}">
-                <a16:creationId xmlns:a16="http://schemas.microsoft.com/office/drawing/2014/main" id="{40C38178-FEC9-40D8-3A0A-9EDD89585546}"/>
+                <a16:creationId xmlns:a16="http://schemas.microsoft.com/office/drawing/2014/main" xmlns="" id="{40C38178-FEC9-40D8-3A0A-9EDD89585546}"/>
               </a:ext>
             </a:extLst>
           </p:cNvPr>
@@ -1203,7 +1203,7 @@
           <p:cNvPr id="6" name="Slide Number Placeholder 5">
             <a:extLst>
               <a:ext uri="{FF2B5EF4-FFF2-40B4-BE49-F238E27FC236}">
-                <a16:creationId xmlns:a16="http://schemas.microsoft.com/office/drawing/2014/main" id="{CFFF17A3-337D-349A-AC3D-1C63498A2AA1}"/>
+                <a16:creationId xmlns:a16="http://schemas.microsoft.com/office/drawing/2014/main" xmlns="" id="{CFFF17A3-337D-349A-AC3D-1C63498A2AA1}"/>
               </a:ext>
             </a:extLst>
           </p:cNvPr>
@@ -1262,7 +1262,7 @@
           <p:cNvPr id="2" name="Vertical Title 1">
             <a:extLst>
               <a:ext uri="{FF2B5EF4-FFF2-40B4-BE49-F238E27FC236}">
-                <a16:creationId xmlns:a16="http://schemas.microsoft.com/office/drawing/2014/main" id="{14ADF085-3386-509A-696A-AB8AB5CAC802}"/>
+                <a16:creationId xmlns:a16="http://schemas.microsoft.com/office/drawing/2014/main" xmlns="" id="{14ADF085-3386-509A-696A-AB8AB5CAC802}"/>
               </a:ext>
             </a:extLst>
           </p:cNvPr>
@@ -1295,7 +1295,7 @@
           <p:cNvPr id="3" name="Vertical Text Placeholder 2">
             <a:extLst>
               <a:ext uri="{FF2B5EF4-FFF2-40B4-BE49-F238E27FC236}">
-                <a16:creationId xmlns:a16="http://schemas.microsoft.com/office/drawing/2014/main" id="{C9F030BA-08FE-534F-6360-61C58A25D327}"/>
+                <a16:creationId xmlns:a16="http://schemas.microsoft.com/office/drawing/2014/main" xmlns="" id="{C9F030BA-08FE-534F-6360-61C58A25D327}"/>
               </a:ext>
             </a:extLst>
           </p:cNvPr>
@@ -1357,7 +1357,7 @@
           <p:cNvPr id="4" name="Date Placeholder 3">
             <a:extLst>
               <a:ext uri="{FF2B5EF4-FFF2-40B4-BE49-F238E27FC236}">
-                <a16:creationId xmlns:a16="http://schemas.microsoft.com/office/drawing/2014/main" id="{907B602A-1EAD-A521-2D66-66BBDF491954}"/>
+                <a16:creationId xmlns:a16="http://schemas.microsoft.com/office/drawing/2014/main" xmlns="" id="{907B602A-1EAD-A521-2D66-66BBDF491954}"/>
               </a:ext>
             </a:extLst>
           </p:cNvPr>
@@ -1386,7 +1386,7 @@
           <p:cNvPr id="5" name="Footer Placeholder 4">
             <a:extLst>
               <a:ext uri="{FF2B5EF4-FFF2-40B4-BE49-F238E27FC236}">
-                <a16:creationId xmlns:a16="http://schemas.microsoft.com/office/drawing/2014/main" id="{D5C41EDB-F750-377C-F0EC-500A19B6B53F}"/>
+                <a16:creationId xmlns:a16="http://schemas.microsoft.com/office/drawing/2014/main" xmlns="" id="{D5C41EDB-F750-377C-F0EC-500A19B6B53F}"/>
               </a:ext>
             </a:extLst>
           </p:cNvPr>
@@ -1411,7 +1411,7 @@
           <p:cNvPr id="6" name="Slide Number Placeholder 5">
             <a:extLst>
               <a:ext uri="{FF2B5EF4-FFF2-40B4-BE49-F238E27FC236}">
-                <a16:creationId xmlns:a16="http://schemas.microsoft.com/office/drawing/2014/main" id="{4B5C7D40-423A-05B5-1D95-725B501383DE}"/>
+                <a16:creationId xmlns:a16="http://schemas.microsoft.com/office/drawing/2014/main" xmlns="" id="{4B5C7D40-423A-05B5-1D95-725B501383DE}"/>
               </a:ext>
             </a:extLst>
           </p:cNvPr>
@@ -1470,7 +1470,7 @@
           <p:cNvPr id="2" name="Title 1">
             <a:extLst>
               <a:ext uri="{FF2B5EF4-FFF2-40B4-BE49-F238E27FC236}">
-                <a16:creationId xmlns:a16="http://schemas.microsoft.com/office/drawing/2014/main" id="{5110C694-55C3-906C-6097-08015F060473}"/>
+                <a16:creationId xmlns:a16="http://schemas.microsoft.com/office/drawing/2014/main" xmlns="" id="{5110C694-55C3-906C-6097-08015F060473}"/>
               </a:ext>
             </a:extLst>
           </p:cNvPr>
@@ -1498,7 +1498,7 @@
           <p:cNvPr id="3" name="Content Placeholder 2">
             <a:extLst>
               <a:ext uri="{FF2B5EF4-FFF2-40B4-BE49-F238E27FC236}">
-                <a16:creationId xmlns:a16="http://schemas.microsoft.com/office/drawing/2014/main" id="{88C4BF79-504D-6ACE-932A-7DD48BD81ABF}"/>
+                <a16:creationId xmlns:a16="http://schemas.microsoft.com/office/drawing/2014/main" xmlns="" id="{88C4BF79-504D-6ACE-932A-7DD48BD81ABF}"/>
               </a:ext>
             </a:extLst>
           </p:cNvPr>
@@ -1555,7 +1555,7 @@
           <p:cNvPr id="4" name="Date Placeholder 3">
             <a:extLst>
               <a:ext uri="{FF2B5EF4-FFF2-40B4-BE49-F238E27FC236}">
-                <a16:creationId xmlns:a16="http://schemas.microsoft.com/office/drawing/2014/main" id="{B7C244A2-C99D-89DE-56CA-4989572C7CA6}"/>
+                <a16:creationId xmlns:a16="http://schemas.microsoft.com/office/drawing/2014/main" xmlns="" id="{B7C244A2-C99D-89DE-56CA-4989572C7CA6}"/>
               </a:ext>
             </a:extLst>
           </p:cNvPr>
@@ -1584,7 +1584,7 @@
           <p:cNvPr id="5" name="Footer Placeholder 4">
             <a:extLst>
               <a:ext uri="{FF2B5EF4-FFF2-40B4-BE49-F238E27FC236}">
-                <a16:creationId xmlns:a16="http://schemas.microsoft.com/office/drawing/2014/main" id="{3CE5B7C0-5A96-6F90-AA91-DA47E8F9D299}"/>
+                <a16:creationId xmlns:a16="http://schemas.microsoft.com/office/drawing/2014/main" xmlns="" id="{3CE5B7C0-5A96-6F90-AA91-DA47E8F9D299}"/>
               </a:ext>
             </a:extLst>
           </p:cNvPr>
@@ -1609,7 +1609,7 @@
           <p:cNvPr id="6" name="Slide Number Placeholder 5">
             <a:extLst>
               <a:ext uri="{FF2B5EF4-FFF2-40B4-BE49-F238E27FC236}">
-                <a16:creationId xmlns:a16="http://schemas.microsoft.com/office/drawing/2014/main" id="{9D576448-81DF-A3B9-AAC9-46A1E5130092}"/>
+                <a16:creationId xmlns:a16="http://schemas.microsoft.com/office/drawing/2014/main" xmlns="" id="{9D576448-81DF-A3B9-AAC9-46A1E5130092}"/>
               </a:ext>
             </a:extLst>
           </p:cNvPr>
@@ -1668,7 +1668,7 @@
           <p:cNvPr id="2" name="Title 1">
             <a:extLst>
               <a:ext uri="{FF2B5EF4-FFF2-40B4-BE49-F238E27FC236}">
-                <a16:creationId xmlns:a16="http://schemas.microsoft.com/office/drawing/2014/main" id="{A85964C0-FFEE-8DA1-0260-DF60BF274570}"/>
+                <a16:creationId xmlns:a16="http://schemas.microsoft.com/office/drawing/2014/main" xmlns="" id="{A85964C0-FFEE-8DA1-0260-DF60BF274570}"/>
               </a:ext>
             </a:extLst>
           </p:cNvPr>
@@ -1705,7 +1705,7 @@
           <p:cNvPr id="3" name="Text Placeholder 2">
             <a:extLst>
               <a:ext uri="{FF2B5EF4-FFF2-40B4-BE49-F238E27FC236}">
-                <a16:creationId xmlns:a16="http://schemas.microsoft.com/office/drawing/2014/main" id="{9ED3A134-59AA-31FA-24ED-AD11B360AF91}"/>
+                <a16:creationId xmlns:a16="http://schemas.microsoft.com/office/drawing/2014/main" xmlns="" id="{9ED3A134-59AA-31FA-24ED-AD11B360AF91}"/>
               </a:ext>
             </a:extLst>
           </p:cNvPr>
@@ -1830,7 +1830,7 @@
           <p:cNvPr id="4" name="Date Placeholder 3">
             <a:extLst>
               <a:ext uri="{FF2B5EF4-FFF2-40B4-BE49-F238E27FC236}">
-                <a16:creationId xmlns:a16="http://schemas.microsoft.com/office/drawing/2014/main" id="{BCCB5831-5F7F-8403-F3F2-214775A40FF5}"/>
+                <a16:creationId xmlns:a16="http://schemas.microsoft.com/office/drawing/2014/main" xmlns="" id="{BCCB5831-5F7F-8403-F3F2-214775A40FF5}"/>
               </a:ext>
             </a:extLst>
           </p:cNvPr>
@@ -1859,7 +1859,7 @@
           <p:cNvPr id="5" name="Footer Placeholder 4">
             <a:extLst>
               <a:ext uri="{FF2B5EF4-FFF2-40B4-BE49-F238E27FC236}">
-                <a16:creationId xmlns:a16="http://schemas.microsoft.com/office/drawing/2014/main" id="{3B36D943-CA2C-08FB-D769-A113732DDADA}"/>
+                <a16:creationId xmlns:a16="http://schemas.microsoft.com/office/drawing/2014/main" xmlns="" id="{3B36D943-CA2C-08FB-D769-A113732DDADA}"/>
               </a:ext>
             </a:extLst>
           </p:cNvPr>
@@ -1884,7 +1884,7 @@
           <p:cNvPr id="6" name="Slide Number Placeholder 5">
             <a:extLst>
               <a:ext uri="{FF2B5EF4-FFF2-40B4-BE49-F238E27FC236}">
-                <a16:creationId xmlns:a16="http://schemas.microsoft.com/office/drawing/2014/main" id="{89C533D8-3EEA-5838-D0B4-0A7A1FAE9544}"/>
+                <a16:creationId xmlns:a16="http://schemas.microsoft.com/office/drawing/2014/main" xmlns="" id="{89C533D8-3EEA-5838-D0B4-0A7A1FAE9544}"/>
               </a:ext>
             </a:extLst>
           </p:cNvPr>
@@ -1943,7 +1943,7 @@
           <p:cNvPr id="2" name="Title 1">
             <a:extLst>
               <a:ext uri="{FF2B5EF4-FFF2-40B4-BE49-F238E27FC236}">
-                <a16:creationId xmlns:a16="http://schemas.microsoft.com/office/drawing/2014/main" id="{426D0344-D606-691C-AFD0-32E03C91E794}"/>
+                <a16:creationId xmlns:a16="http://schemas.microsoft.com/office/drawing/2014/main" xmlns="" id="{426D0344-D606-691C-AFD0-32E03C91E794}"/>
               </a:ext>
             </a:extLst>
           </p:cNvPr>
@@ -1971,7 +1971,7 @@
           <p:cNvPr id="3" name="Content Placeholder 2">
             <a:extLst>
               <a:ext uri="{FF2B5EF4-FFF2-40B4-BE49-F238E27FC236}">
-                <a16:creationId xmlns:a16="http://schemas.microsoft.com/office/drawing/2014/main" id="{1A7B0215-F3F2-EF7E-5D56-93BD79D17DFD}"/>
+                <a16:creationId xmlns:a16="http://schemas.microsoft.com/office/drawing/2014/main" xmlns="" id="{1A7B0215-F3F2-EF7E-5D56-93BD79D17DFD}"/>
               </a:ext>
             </a:extLst>
           </p:cNvPr>
@@ -2033,7 +2033,7 @@
           <p:cNvPr id="4" name="Content Placeholder 3">
             <a:extLst>
               <a:ext uri="{FF2B5EF4-FFF2-40B4-BE49-F238E27FC236}">
-                <a16:creationId xmlns:a16="http://schemas.microsoft.com/office/drawing/2014/main" id="{735100AF-0115-79DE-806B-3D2846CB6BB2}"/>
+                <a16:creationId xmlns:a16="http://schemas.microsoft.com/office/drawing/2014/main" xmlns="" id="{735100AF-0115-79DE-806B-3D2846CB6BB2}"/>
               </a:ext>
             </a:extLst>
           </p:cNvPr>
@@ -2095,7 +2095,7 @@
           <p:cNvPr id="5" name="Date Placeholder 4">
             <a:extLst>
               <a:ext uri="{FF2B5EF4-FFF2-40B4-BE49-F238E27FC236}">
-                <a16:creationId xmlns:a16="http://schemas.microsoft.com/office/drawing/2014/main" id="{69EF7240-1CC4-29DB-6811-03ADAE1426A4}"/>
+                <a16:creationId xmlns:a16="http://schemas.microsoft.com/office/drawing/2014/main" xmlns="" id="{69EF7240-1CC4-29DB-6811-03ADAE1426A4}"/>
               </a:ext>
             </a:extLst>
           </p:cNvPr>
@@ -2124,7 +2124,7 @@
           <p:cNvPr id="6" name="Footer Placeholder 5">
             <a:extLst>
               <a:ext uri="{FF2B5EF4-FFF2-40B4-BE49-F238E27FC236}">
-                <a16:creationId xmlns:a16="http://schemas.microsoft.com/office/drawing/2014/main" id="{95D02141-BB97-8927-DDF0-66B15078AFE4}"/>
+                <a16:creationId xmlns:a16="http://schemas.microsoft.com/office/drawing/2014/main" xmlns="" id="{95D02141-BB97-8927-DDF0-66B15078AFE4}"/>
               </a:ext>
             </a:extLst>
           </p:cNvPr>
@@ -2149,7 +2149,7 @@
           <p:cNvPr id="7" name="Slide Number Placeholder 6">
             <a:extLst>
               <a:ext uri="{FF2B5EF4-FFF2-40B4-BE49-F238E27FC236}">
-                <a16:creationId xmlns:a16="http://schemas.microsoft.com/office/drawing/2014/main" id="{DA5F023C-1068-EB98-D6F6-56882DEF1960}"/>
+                <a16:creationId xmlns:a16="http://schemas.microsoft.com/office/drawing/2014/main" xmlns="" id="{DA5F023C-1068-EB98-D6F6-56882DEF1960}"/>
               </a:ext>
             </a:extLst>
           </p:cNvPr>
@@ -2208,7 +2208,7 @@
           <p:cNvPr id="2" name="Title 1">
             <a:extLst>
               <a:ext uri="{FF2B5EF4-FFF2-40B4-BE49-F238E27FC236}">
-                <a16:creationId xmlns:a16="http://schemas.microsoft.com/office/drawing/2014/main" id="{AA825DB5-4ED1-77D9-BCC0-9647FE25EBF6}"/>
+                <a16:creationId xmlns:a16="http://schemas.microsoft.com/office/drawing/2014/main" xmlns="" id="{AA825DB5-4ED1-77D9-BCC0-9647FE25EBF6}"/>
               </a:ext>
             </a:extLst>
           </p:cNvPr>
@@ -2241,7 +2241,7 @@
           <p:cNvPr id="3" name="Text Placeholder 2">
             <a:extLst>
               <a:ext uri="{FF2B5EF4-FFF2-40B4-BE49-F238E27FC236}">
-                <a16:creationId xmlns:a16="http://schemas.microsoft.com/office/drawing/2014/main" id="{FE99F32D-37B2-C21C-0CED-B300F39A30AC}"/>
+                <a16:creationId xmlns:a16="http://schemas.microsoft.com/office/drawing/2014/main" xmlns="" id="{FE99F32D-37B2-C21C-0CED-B300F39A30AC}"/>
               </a:ext>
             </a:extLst>
           </p:cNvPr>
@@ -2312,7 +2312,7 @@
           <p:cNvPr id="4" name="Content Placeholder 3">
             <a:extLst>
               <a:ext uri="{FF2B5EF4-FFF2-40B4-BE49-F238E27FC236}">
-                <a16:creationId xmlns:a16="http://schemas.microsoft.com/office/drawing/2014/main" id="{701929B1-5148-A942-2E1D-7155535F8872}"/>
+                <a16:creationId xmlns:a16="http://schemas.microsoft.com/office/drawing/2014/main" xmlns="" id="{701929B1-5148-A942-2E1D-7155535F8872}"/>
               </a:ext>
             </a:extLst>
           </p:cNvPr>
@@ -2374,7 +2374,7 @@
           <p:cNvPr id="5" name="Text Placeholder 4">
             <a:extLst>
               <a:ext uri="{FF2B5EF4-FFF2-40B4-BE49-F238E27FC236}">
-                <a16:creationId xmlns:a16="http://schemas.microsoft.com/office/drawing/2014/main" id="{B003BFEF-99F8-1B72-863B-36DB67868580}"/>
+                <a16:creationId xmlns:a16="http://schemas.microsoft.com/office/drawing/2014/main" xmlns="" id="{B003BFEF-99F8-1B72-863B-36DB67868580}"/>
               </a:ext>
             </a:extLst>
           </p:cNvPr>
@@ -2445,7 +2445,7 @@
           <p:cNvPr id="6" name="Content Placeholder 5">
             <a:extLst>
               <a:ext uri="{FF2B5EF4-FFF2-40B4-BE49-F238E27FC236}">
-                <a16:creationId xmlns:a16="http://schemas.microsoft.com/office/drawing/2014/main" id="{D6B1B582-5899-907C-6BAF-88DDBFE5B378}"/>
+                <a16:creationId xmlns:a16="http://schemas.microsoft.com/office/drawing/2014/main" xmlns="" id="{D6B1B582-5899-907C-6BAF-88DDBFE5B378}"/>
               </a:ext>
             </a:extLst>
           </p:cNvPr>
@@ -2507,7 +2507,7 @@
           <p:cNvPr id="7" name="Date Placeholder 6">
             <a:extLst>
               <a:ext uri="{FF2B5EF4-FFF2-40B4-BE49-F238E27FC236}">
-                <a16:creationId xmlns:a16="http://schemas.microsoft.com/office/drawing/2014/main" id="{F9D89AF3-C84D-3E6B-8BA8-CE274358A3FD}"/>
+                <a16:creationId xmlns:a16="http://schemas.microsoft.com/office/drawing/2014/main" xmlns="" id="{F9D89AF3-C84D-3E6B-8BA8-CE274358A3FD}"/>
               </a:ext>
             </a:extLst>
           </p:cNvPr>
@@ -2536,7 +2536,7 @@
           <p:cNvPr id="8" name="Footer Placeholder 7">
             <a:extLst>
               <a:ext uri="{FF2B5EF4-FFF2-40B4-BE49-F238E27FC236}">
-                <a16:creationId xmlns:a16="http://schemas.microsoft.com/office/drawing/2014/main" id="{0EA1E28A-4C87-A3F1-8635-21E40BF2FB68}"/>
+                <a16:creationId xmlns:a16="http://schemas.microsoft.com/office/drawing/2014/main" xmlns="" id="{0EA1E28A-4C87-A3F1-8635-21E40BF2FB68}"/>
               </a:ext>
             </a:extLst>
           </p:cNvPr>
@@ -2561,7 +2561,7 @@
           <p:cNvPr id="9" name="Slide Number Placeholder 8">
             <a:extLst>
               <a:ext uri="{FF2B5EF4-FFF2-40B4-BE49-F238E27FC236}">
-                <a16:creationId xmlns:a16="http://schemas.microsoft.com/office/drawing/2014/main" id="{EDF7D3FC-05DC-38BD-D651-07CF9D8DD5F3}"/>
+                <a16:creationId xmlns:a16="http://schemas.microsoft.com/office/drawing/2014/main" xmlns="" id="{EDF7D3FC-05DC-38BD-D651-07CF9D8DD5F3}"/>
               </a:ext>
             </a:extLst>
           </p:cNvPr>
@@ -2620,7 +2620,7 @@
           <p:cNvPr id="2" name="Title 1">
             <a:extLst>
               <a:ext uri="{FF2B5EF4-FFF2-40B4-BE49-F238E27FC236}">
-                <a16:creationId xmlns:a16="http://schemas.microsoft.com/office/drawing/2014/main" id="{E7A0B4D3-A15E-B4D0-2AB4-6899F3425809}"/>
+                <a16:creationId xmlns:a16="http://schemas.microsoft.com/office/drawing/2014/main" xmlns="" id="{E7A0B4D3-A15E-B4D0-2AB4-6899F3425809}"/>
               </a:ext>
             </a:extLst>
           </p:cNvPr>
@@ -2648,7 +2648,7 @@
           <p:cNvPr id="3" name="Date Placeholder 2">
             <a:extLst>
               <a:ext uri="{FF2B5EF4-FFF2-40B4-BE49-F238E27FC236}">
-                <a16:creationId xmlns:a16="http://schemas.microsoft.com/office/drawing/2014/main" id="{5B49DC7B-D0CB-CCAC-7D8B-51A10D6F6925}"/>
+                <a16:creationId xmlns:a16="http://schemas.microsoft.com/office/drawing/2014/main" xmlns="" id="{5B49DC7B-D0CB-CCAC-7D8B-51A10D6F6925}"/>
               </a:ext>
             </a:extLst>
           </p:cNvPr>
@@ -2677,7 +2677,7 @@
           <p:cNvPr id="4" name="Footer Placeholder 3">
             <a:extLst>
               <a:ext uri="{FF2B5EF4-FFF2-40B4-BE49-F238E27FC236}">
-                <a16:creationId xmlns:a16="http://schemas.microsoft.com/office/drawing/2014/main" id="{E39C0DF8-6321-37AC-27FA-FC973D8E4007}"/>
+                <a16:creationId xmlns:a16="http://schemas.microsoft.com/office/drawing/2014/main" xmlns="" id="{E39C0DF8-6321-37AC-27FA-FC973D8E4007}"/>
               </a:ext>
             </a:extLst>
           </p:cNvPr>
@@ -2702,7 +2702,7 @@
           <p:cNvPr id="5" name="Slide Number Placeholder 4">
             <a:extLst>
               <a:ext uri="{FF2B5EF4-FFF2-40B4-BE49-F238E27FC236}">
-                <a16:creationId xmlns:a16="http://schemas.microsoft.com/office/drawing/2014/main" id="{1FFA554D-061E-C066-22E7-06E1A1DE2288}"/>
+                <a16:creationId xmlns:a16="http://schemas.microsoft.com/office/drawing/2014/main" xmlns="" id="{1FFA554D-061E-C066-22E7-06E1A1DE2288}"/>
               </a:ext>
             </a:extLst>
           </p:cNvPr>
@@ -2761,7 +2761,7 @@
           <p:cNvPr id="2" name="Date Placeholder 1">
             <a:extLst>
               <a:ext uri="{FF2B5EF4-FFF2-40B4-BE49-F238E27FC236}">
-                <a16:creationId xmlns:a16="http://schemas.microsoft.com/office/drawing/2014/main" id="{5A5CB9CB-BC02-533A-36FF-1D6FEE0CDDFE}"/>
+                <a16:creationId xmlns:a16="http://schemas.microsoft.com/office/drawing/2014/main" xmlns="" id="{5A5CB9CB-BC02-533A-36FF-1D6FEE0CDDFE}"/>
               </a:ext>
             </a:extLst>
           </p:cNvPr>
@@ -2790,7 +2790,7 @@
           <p:cNvPr id="3" name="Footer Placeholder 2">
             <a:extLst>
               <a:ext uri="{FF2B5EF4-FFF2-40B4-BE49-F238E27FC236}">
-                <a16:creationId xmlns:a16="http://schemas.microsoft.com/office/drawing/2014/main" id="{C4FE3478-703C-9E6B-2072-0F853218C836}"/>
+                <a16:creationId xmlns:a16="http://schemas.microsoft.com/office/drawing/2014/main" xmlns="" id="{C4FE3478-703C-9E6B-2072-0F853218C836}"/>
               </a:ext>
             </a:extLst>
           </p:cNvPr>
@@ -2815,7 +2815,7 @@
           <p:cNvPr id="4" name="Slide Number Placeholder 3">
             <a:extLst>
               <a:ext uri="{FF2B5EF4-FFF2-40B4-BE49-F238E27FC236}">
-                <a16:creationId xmlns:a16="http://schemas.microsoft.com/office/drawing/2014/main" id="{93F117E9-0A3E-AD94-0AF1-3B36A8819FBF}"/>
+                <a16:creationId xmlns:a16="http://schemas.microsoft.com/office/drawing/2014/main" xmlns="" id="{93F117E9-0A3E-AD94-0AF1-3B36A8819FBF}"/>
               </a:ext>
             </a:extLst>
           </p:cNvPr>
@@ -2874,7 +2874,7 @@
           <p:cNvPr id="2" name="Title 1">
             <a:extLst>
               <a:ext uri="{FF2B5EF4-FFF2-40B4-BE49-F238E27FC236}">
-                <a16:creationId xmlns:a16="http://schemas.microsoft.com/office/drawing/2014/main" id="{79978ADA-4497-4A76-EFC6-822702343E23}"/>
+                <a16:creationId xmlns:a16="http://schemas.microsoft.com/office/drawing/2014/main" xmlns="" id="{79978ADA-4497-4A76-EFC6-822702343E23}"/>
               </a:ext>
             </a:extLst>
           </p:cNvPr>
@@ -2911,7 +2911,7 @@
           <p:cNvPr id="3" name="Content Placeholder 2">
             <a:extLst>
               <a:ext uri="{FF2B5EF4-FFF2-40B4-BE49-F238E27FC236}">
-                <a16:creationId xmlns:a16="http://schemas.microsoft.com/office/drawing/2014/main" id="{4807918B-1225-6F30-9B73-A671DB77EF66}"/>
+                <a16:creationId xmlns:a16="http://schemas.microsoft.com/office/drawing/2014/main" xmlns="" id="{4807918B-1225-6F30-9B73-A671DB77EF66}"/>
               </a:ext>
             </a:extLst>
           </p:cNvPr>
@@ -3001,7 +3001,7 @@
           <p:cNvPr id="4" name="Text Placeholder 3">
             <a:extLst>
               <a:ext uri="{FF2B5EF4-FFF2-40B4-BE49-F238E27FC236}">
-                <a16:creationId xmlns:a16="http://schemas.microsoft.com/office/drawing/2014/main" id="{936A85BC-D9CA-3B0D-2E82-416613BBF0C4}"/>
+                <a16:creationId xmlns:a16="http://schemas.microsoft.com/office/drawing/2014/main" xmlns="" id="{936A85BC-D9CA-3B0D-2E82-416613BBF0C4}"/>
               </a:ext>
             </a:extLst>
           </p:cNvPr>
@@ -3072,7 +3072,7 @@
           <p:cNvPr id="5" name="Date Placeholder 4">
             <a:extLst>
               <a:ext uri="{FF2B5EF4-FFF2-40B4-BE49-F238E27FC236}">
-                <a16:creationId xmlns:a16="http://schemas.microsoft.com/office/drawing/2014/main" id="{BE26D6EF-B602-994F-7347-BDA23F5E4440}"/>
+                <a16:creationId xmlns:a16="http://schemas.microsoft.com/office/drawing/2014/main" xmlns="" id="{BE26D6EF-B602-994F-7347-BDA23F5E4440}"/>
               </a:ext>
             </a:extLst>
           </p:cNvPr>
@@ -3101,7 +3101,7 @@
           <p:cNvPr id="6" name="Footer Placeholder 5">
             <a:extLst>
               <a:ext uri="{FF2B5EF4-FFF2-40B4-BE49-F238E27FC236}">
-                <a16:creationId xmlns:a16="http://schemas.microsoft.com/office/drawing/2014/main" id="{89CF4D30-5E07-BADD-9F99-4EAD96FF5089}"/>
+                <a16:creationId xmlns:a16="http://schemas.microsoft.com/office/drawing/2014/main" xmlns="" id="{89CF4D30-5E07-BADD-9F99-4EAD96FF5089}"/>
               </a:ext>
             </a:extLst>
           </p:cNvPr>
@@ -3126,7 +3126,7 @@
           <p:cNvPr id="7" name="Slide Number Placeholder 6">
             <a:extLst>
               <a:ext uri="{FF2B5EF4-FFF2-40B4-BE49-F238E27FC236}">
-                <a16:creationId xmlns:a16="http://schemas.microsoft.com/office/drawing/2014/main" id="{0367A915-00AF-F153-247F-4B8E4D976FBA}"/>
+                <a16:creationId xmlns:a16="http://schemas.microsoft.com/office/drawing/2014/main" xmlns="" id="{0367A915-00AF-F153-247F-4B8E4D976FBA}"/>
               </a:ext>
             </a:extLst>
           </p:cNvPr>
@@ -3185,7 +3185,7 @@
           <p:cNvPr id="2" name="Title 1">
             <a:extLst>
               <a:ext uri="{FF2B5EF4-FFF2-40B4-BE49-F238E27FC236}">
-                <a16:creationId xmlns:a16="http://schemas.microsoft.com/office/drawing/2014/main" id="{2A1AFB9B-5730-C2DB-CD09-13A97226099B}"/>
+                <a16:creationId xmlns:a16="http://schemas.microsoft.com/office/drawing/2014/main" xmlns="" id="{2A1AFB9B-5730-C2DB-CD09-13A97226099B}"/>
               </a:ext>
             </a:extLst>
           </p:cNvPr>
@@ -3222,7 +3222,7 @@
           <p:cNvPr id="3" name="Picture Placeholder 2">
             <a:extLst>
               <a:ext uri="{FF2B5EF4-FFF2-40B4-BE49-F238E27FC236}">
-                <a16:creationId xmlns:a16="http://schemas.microsoft.com/office/drawing/2014/main" id="{ABE84626-5E3A-FAF7-0699-AA1880C6179E}"/>
+                <a16:creationId xmlns:a16="http://schemas.microsoft.com/office/drawing/2014/main" xmlns="" id="{ABE84626-5E3A-FAF7-0699-AA1880C6179E}"/>
               </a:ext>
             </a:extLst>
           </p:cNvPr>
@@ -3289,7 +3289,7 @@
           <p:cNvPr id="4" name="Text Placeholder 3">
             <a:extLst>
               <a:ext uri="{FF2B5EF4-FFF2-40B4-BE49-F238E27FC236}">
-                <a16:creationId xmlns:a16="http://schemas.microsoft.com/office/drawing/2014/main" id="{2C9A65C0-271D-940E-B385-B4FC1624A0FB}"/>
+                <a16:creationId xmlns:a16="http://schemas.microsoft.com/office/drawing/2014/main" xmlns="" id="{2C9A65C0-271D-940E-B385-B4FC1624A0FB}"/>
               </a:ext>
             </a:extLst>
           </p:cNvPr>
@@ -3360,7 +3360,7 @@
           <p:cNvPr id="5" name="Date Placeholder 4">
             <a:extLst>
               <a:ext uri="{FF2B5EF4-FFF2-40B4-BE49-F238E27FC236}">
-                <a16:creationId xmlns:a16="http://schemas.microsoft.com/office/drawing/2014/main" id="{AEF36F8F-91C5-BAFF-5B20-94A9853FF11A}"/>
+                <a16:creationId xmlns:a16="http://schemas.microsoft.com/office/drawing/2014/main" xmlns="" id="{AEF36F8F-91C5-BAFF-5B20-94A9853FF11A}"/>
               </a:ext>
             </a:extLst>
           </p:cNvPr>
@@ -3389,7 +3389,7 @@
           <p:cNvPr id="6" name="Footer Placeholder 5">
             <a:extLst>
               <a:ext uri="{FF2B5EF4-FFF2-40B4-BE49-F238E27FC236}">
-                <a16:creationId xmlns:a16="http://schemas.microsoft.com/office/drawing/2014/main" id="{8C2541CC-8D18-848C-93D2-83DB1D335A11}"/>
+                <a16:creationId xmlns:a16="http://schemas.microsoft.com/office/drawing/2014/main" xmlns="" id="{8C2541CC-8D18-848C-93D2-83DB1D335A11}"/>
               </a:ext>
             </a:extLst>
           </p:cNvPr>
@@ -3414,7 +3414,7 @@
           <p:cNvPr id="7" name="Slide Number Placeholder 6">
             <a:extLst>
               <a:ext uri="{FF2B5EF4-FFF2-40B4-BE49-F238E27FC236}">
-                <a16:creationId xmlns:a16="http://schemas.microsoft.com/office/drawing/2014/main" id="{7F5EDAD0-5474-E272-B850-354FBEFDD07E}"/>
+                <a16:creationId xmlns:a16="http://schemas.microsoft.com/office/drawing/2014/main" xmlns="" id="{7F5EDAD0-5474-E272-B850-354FBEFDD07E}"/>
               </a:ext>
             </a:extLst>
           </p:cNvPr>
@@ -3478,7 +3478,7 @@
           <p:cNvPr id="2" name="Title Placeholder 1">
             <a:extLst>
               <a:ext uri="{FF2B5EF4-FFF2-40B4-BE49-F238E27FC236}">
-                <a16:creationId xmlns:a16="http://schemas.microsoft.com/office/drawing/2014/main" id="{6FB849FB-8F9B-8AD5-F37E-F31AD7EF26D6}"/>
+                <a16:creationId xmlns:a16="http://schemas.microsoft.com/office/drawing/2014/main" xmlns="" id="{6FB849FB-8F9B-8AD5-F37E-F31AD7EF26D6}"/>
               </a:ext>
             </a:extLst>
           </p:cNvPr>
@@ -3516,7 +3516,7 @@
           <p:cNvPr id="3" name="Text Placeholder 2">
             <a:extLst>
               <a:ext uri="{FF2B5EF4-FFF2-40B4-BE49-F238E27FC236}">
-                <a16:creationId xmlns:a16="http://schemas.microsoft.com/office/drawing/2014/main" id="{3E3650D5-92B9-DC68-1964-60030A452609}"/>
+                <a16:creationId xmlns:a16="http://schemas.microsoft.com/office/drawing/2014/main" xmlns="" id="{3E3650D5-92B9-DC68-1964-60030A452609}"/>
               </a:ext>
             </a:extLst>
           </p:cNvPr>
@@ -3583,7 +3583,7 @@
           <p:cNvPr id="4" name="Date Placeholder 3">
             <a:extLst>
               <a:ext uri="{FF2B5EF4-FFF2-40B4-BE49-F238E27FC236}">
-                <a16:creationId xmlns:a16="http://schemas.microsoft.com/office/drawing/2014/main" id="{28F2DF61-01B5-B88C-18A9-3BA4F7872D94}"/>
+                <a16:creationId xmlns:a16="http://schemas.microsoft.com/office/drawing/2014/main" xmlns="" id="{28F2DF61-01B5-B88C-18A9-3BA4F7872D94}"/>
               </a:ext>
             </a:extLst>
           </p:cNvPr>
@@ -3630,7 +3630,7 @@
           <p:cNvPr id="5" name="Footer Placeholder 4">
             <a:extLst>
               <a:ext uri="{FF2B5EF4-FFF2-40B4-BE49-F238E27FC236}">
-                <a16:creationId xmlns:a16="http://schemas.microsoft.com/office/drawing/2014/main" id="{F098CAB4-B46D-8D07-1714-765DCED3ECFA}"/>
+                <a16:creationId xmlns:a16="http://schemas.microsoft.com/office/drawing/2014/main" xmlns="" id="{F098CAB4-B46D-8D07-1714-765DCED3ECFA}"/>
               </a:ext>
             </a:extLst>
           </p:cNvPr>
@@ -3673,7 +3673,7 @@
           <p:cNvPr id="6" name="Slide Number Placeholder 5">
             <a:extLst>
               <a:ext uri="{FF2B5EF4-FFF2-40B4-BE49-F238E27FC236}">
-                <a16:creationId xmlns:a16="http://schemas.microsoft.com/office/drawing/2014/main" id="{2E442A14-FB44-44D8-83FF-3A5436AFD90A}"/>
+                <a16:creationId xmlns:a16="http://schemas.microsoft.com/office/drawing/2014/main" xmlns="" id="{2E442A14-FB44-44D8-83FF-3A5436AFD90A}"/>
               </a:ext>
             </a:extLst>
           </p:cNvPr>
@@ -4041,7 +4041,7 @@
           <p:cNvPr id="2" name="Title 1">
             <a:extLst>
               <a:ext uri="{FF2B5EF4-FFF2-40B4-BE49-F238E27FC236}">
-                <a16:creationId xmlns:a16="http://schemas.microsoft.com/office/drawing/2014/main" id="{9E586A58-3B83-58C5-3D81-F047C0F9AC6D}"/>
+                <a16:creationId xmlns:a16="http://schemas.microsoft.com/office/drawing/2014/main" xmlns="" id="{9E586A58-3B83-58C5-3D81-F047C0F9AC6D}"/>
               </a:ext>
             </a:extLst>
           </p:cNvPr>
@@ -4085,7 +4085,7 @@
           <p:cNvPr id="3" name="Subtitle 2">
             <a:extLst>
               <a:ext uri="{FF2B5EF4-FFF2-40B4-BE49-F238E27FC236}">
-                <a16:creationId xmlns:a16="http://schemas.microsoft.com/office/drawing/2014/main" id="{AC8B98B1-1E1E-906E-0056-038E43F42AE4}"/>
+                <a16:creationId xmlns:a16="http://schemas.microsoft.com/office/drawing/2014/main" xmlns="" id="{AC8B98B1-1E1E-906E-0056-038E43F42AE4}"/>
               </a:ext>
             </a:extLst>
           </p:cNvPr>
@@ -4241,7 +4241,7 @@
           <p:cNvPr id="2" name="Title 1">
             <a:extLst>
               <a:ext uri="{FF2B5EF4-FFF2-40B4-BE49-F238E27FC236}">
-                <a16:creationId xmlns:a16="http://schemas.microsoft.com/office/drawing/2014/main" id="{C34B1998-8066-30FA-B699-68D4C1F18136}"/>
+                <a16:creationId xmlns:a16="http://schemas.microsoft.com/office/drawing/2014/main" xmlns="" id="{C34B1998-8066-30FA-B699-68D4C1F18136}"/>
               </a:ext>
             </a:extLst>
           </p:cNvPr>
@@ -4269,7 +4269,7 @@
           <p:cNvPr id="3" name="Content Placeholder 2">
             <a:extLst>
               <a:ext uri="{FF2B5EF4-FFF2-40B4-BE49-F238E27FC236}">
-                <a16:creationId xmlns:a16="http://schemas.microsoft.com/office/drawing/2014/main" id="{70BC2F4D-8925-3DFD-6AAC-C300519D2FAC}"/>
+                <a16:creationId xmlns:a16="http://schemas.microsoft.com/office/drawing/2014/main" xmlns="" id="{70BC2F4D-8925-3DFD-6AAC-C300519D2FAC}"/>
               </a:ext>
             </a:extLst>
           </p:cNvPr>
@@ -4431,7 +4431,7 @@
           <p:cNvPr id="2" name="Title 1">
             <a:extLst>
               <a:ext uri="{FF2B5EF4-FFF2-40B4-BE49-F238E27FC236}">
-                <a16:creationId xmlns:a16="http://schemas.microsoft.com/office/drawing/2014/main" id="{1F6A1DDC-8D16-177F-63D4-B89B5849816D}"/>
+                <a16:creationId xmlns:a16="http://schemas.microsoft.com/office/drawing/2014/main" xmlns="" id="{1F6A1DDC-8D16-177F-63D4-B89B5849816D}"/>
               </a:ext>
             </a:extLst>
           </p:cNvPr>
@@ -4459,7 +4459,7 @@
           <p:cNvPr id="4" name="Content Placeholder 3">
             <a:extLst>
               <a:ext uri="{FF2B5EF4-FFF2-40B4-BE49-F238E27FC236}">
-                <a16:creationId xmlns:a16="http://schemas.microsoft.com/office/drawing/2014/main" id="{7A8D893C-5120-89C8-4701-0070E1D21C2F}"/>
+                <a16:creationId xmlns:a16="http://schemas.microsoft.com/office/drawing/2014/main" xmlns="" id="{7A8D893C-5120-89C8-4701-0070E1D21C2F}"/>
               </a:ext>
             </a:extLst>
           </p:cNvPr>
@@ -4487,14 +4487,14 @@
                 <a:gridCol w="1573696">
                   <a:extLst>
                     <a:ext uri="{9D8B030D-6E8A-4147-A177-3AD203B41FA5}">
-                      <a16:colId xmlns:a16="http://schemas.microsoft.com/office/drawing/2014/main" val="4090603008"/>
+                      <a16:colId xmlns:a16="http://schemas.microsoft.com/office/drawing/2014/main" xmlns="" val="4090603008"/>
                     </a:ext>
                   </a:extLst>
                 </a:gridCol>
                 <a:gridCol w="8600662">
                   <a:extLst>
                     <a:ext uri="{9D8B030D-6E8A-4147-A177-3AD203B41FA5}">
-                      <a16:colId xmlns:a16="http://schemas.microsoft.com/office/drawing/2014/main" val="875064345"/>
+                      <a16:colId xmlns:a16="http://schemas.microsoft.com/office/drawing/2014/main" xmlns="" val="875064345"/>
                     </a:ext>
                   </a:extLst>
                 </a:gridCol>
@@ -4553,7 +4553,7 @@
                 </a:tc>
                 <a:extLst>
                   <a:ext uri="{0D108BD9-81ED-4DB2-BD59-A6C34878D82A}">
-                    <a16:rowId xmlns:a16="http://schemas.microsoft.com/office/drawing/2014/main" val="3196208356"/>
+                    <a16:rowId xmlns:a16="http://schemas.microsoft.com/office/drawing/2014/main" xmlns="" val="3196208356"/>
                   </a:ext>
                 </a:extLst>
               </a:tr>
@@ -5443,7 +5443,7 @@
                 </a:tc>
                 <a:extLst>
                   <a:ext uri="{0D108BD9-81ED-4DB2-BD59-A6C34878D82A}">
-                    <a16:rowId xmlns:a16="http://schemas.microsoft.com/office/drawing/2014/main" val="818571189"/>
+                    <a16:rowId xmlns:a16="http://schemas.microsoft.com/office/drawing/2014/main" xmlns="" val="818571189"/>
                   </a:ext>
                 </a:extLst>
               </a:tr>
@@ -5524,7 +5524,7 @@
                 </a:tc>
                 <a:extLst>
                   <a:ext uri="{0D108BD9-81ED-4DB2-BD59-A6C34878D82A}">
-                    <a16:rowId xmlns:a16="http://schemas.microsoft.com/office/drawing/2014/main" val="3221410635"/>
+                    <a16:rowId xmlns:a16="http://schemas.microsoft.com/office/drawing/2014/main" xmlns="" val="3221410635"/>
                   </a:ext>
                 </a:extLst>
               </a:tr>
@@ -5585,7 +5585,7 @@
                 </a:tc>
                 <a:extLst>
                   <a:ext uri="{0D108BD9-81ED-4DB2-BD59-A6C34878D82A}">
-                    <a16:rowId xmlns:a16="http://schemas.microsoft.com/office/drawing/2014/main" val="2208990679"/>
+                    <a16:rowId xmlns:a16="http://schemas.microsoft.com/office/drawing/2014/main" xmlns="" val="2208990679"/>
                   </a:ext>
                 </a:extLst>
               </a:tr>
@@ -5758,7 +5758,7 @@
                 </a:tc>
                 <a:extLst>
                   <a:ext uri="{0D108BD9-81ED-4DB2-BD59-A6C34878D82A}">
-                    <a16:rowId xmlns:a16="http://schemas.microsoft.com/office/drawing/2014/main" val="2860265969"/>
+                    <a16:rowId xmlns:a16="http://schemas.microsoft.com/office/drawing/2014/main" xmlns="" val="2860265969"/>
                   </a:ext>
                 </a:extLst>
               </a:tr>
@@ -5819,7 +5819,7 @@
                 </a:tc>
                 <a:extLst>
                   <a:ext uri="{0D108BD9-81ED-4DB2-BD59-A6C34878D82A}">
-                    <a16:rowId xmlns:a16="http://schemas.microsoft.com/office/drawing/2014/main" val="3937536691"/>
+                    <a16:rowId xmlns:a16="http://schemas.microsoft.com/office/drawing/2014/main" xmlns="" val="3937536691"/>
                   </a:ext>
                 </a:extLst>
               </a:tr>
@@ -5890,7 +5890,7 @@
                 </a:tc>
                 <a:extLst>
                   <a:ext uri="{0D108BD9-81ED-4DB2-BD59-A6C34878D82A}">
-                    <a16:rowId xmlns:a16="http://schemas.microsoft.com/office/drawing/2014/main" val="2404811412"/>
+                    <a16:rowId xmlns:a16="http://schemas.microsoft.com/office/drawing/2014/main" xmlns="" val="2404811412"/>
                   </a:ext>
                 </a:extLst>
               </a:tr>
@@ -6005,7 +6005,7 @@
                 </a:tc>
                 <a:extLst>
                   <a:ext uri="{0D108BD9-81ED-4DB2-BD59-A6C34878D82A}">
-                    <a16:rowId xmlns:a16="http://schemas.microsoft.com/office/drawing/2014/main" val="3572299456"/>
+                    <a16:rowId xmlns:a16="http://schemas.microsoft.com/office/drawing/2014/main" xmlns="" val="3572299456"/>
                   </a:ext>
                 </a:extLst>
               </a:tr>
@@ -6103,7 +6103,7 @@
                 </a:tc>
                 <a:extLst>
                   <a:ext uri="{0D108BD9-81ED-4DB2-BD59-A6C34878D82A}">
-                    <a16:rowId xmlns:a16="http://schemas.microsoft.com/office/drawing/2014/main" val="840492231"/>
+                    <a16:rowId xmlns:a16="http://schemas.microsoft.com/office/drawing/2014/main" xmlns="" val="840492231"/>
                   </a:ext>
                 </a:extLst>
               </a:tr>
@@ -6167,7 +6167,7 @@
                 </a:tc>
                 <a:extLst>
                   <a:ext uri="{0D108BD9-81ED-4DB2-BD59-A6C34878D82A}">
-                    <a16:rowId xmlns:a16="http://schemas.microsoft.com/office/drawing/2014/main" val="4121128684"/>
+                    <a16:rowId xmlns:a16="http://schemas.microsoft.com/office/drawing/2014/main" xmlns="" val="4121128684"/>
                   </a:ext>
                 </a:extLst>
               </a:tr>
@@ -6228,7 +6228,7 @@
                 </a:tc>
                 <a:extLst>
                   <a:ext uri="{0D108BD9-81ED-4DB2-BD59-A6C34878D82A}">
-                    <a16:rowId xmlns:a16="http://schemas.microsoft.com/office/drawing/2014/main" val="4232758019"/>
+                    <a16:rowId xmlns:a16="http://schemas.microsoft.com/office/drawing/2014/main" xmlns="" val="4232758019"/>
                   </a:ext>
                 </a:extLst>
               </a:tr>
@@ -6357,7 +6357,7 @@
                 </a:tc>
                 <a:extLst>
                   <a:ext uri="{0D108BD9-81ED-4DB2-BD59-A6C34878D82A}">
-                    <a16:rowId xmlns:a16="http://schemas.microsoft.com/office/drawing/2014/main" val="1317367102"/>
+                    <a16:rowId xmlns:a16="http://schemas.microsoft.com/office/drawing/2014/main" xmlns="" val="1317367102"/>
                   </a:ext>
                 </a:extLst>
               </a:tr>
@@ -6455,7 +6455,7 @@
                 </a:tc>
                 <a:extLst>
                   <a:ext uri="{0D108BD9-81ED-4DB2-BD59-A6C34878D82A}">
-                    <a16:rowId xmlns:a16="http://schemas.microsoft.com/office/drawing/2014/main" val="1706911409"/>
+                    <a16:rowId xmlns:a16="http://schemas.microsoft.com/office/drawing/2014/main" xmlns="" val="1706911409"/>
                   </a:ext>
                 </a:extLst>
               </a:tr>
@@ -6519,7 +6519,7 @@
                 </a:tc>
                 <a:extLst>
                   <a:ext uri="{0D108BD9-81ED-4DB2-BD59-A6C34878D82A}">
-                    <a16:rowId xmlns:a16="http://schemas.microsoft.com/office/drawing/2014/main" val="3122200410"/>
+                    <a16:rowId xmlns:a16="http://schemas.microsoft.com/office/drawing/2014/main" xmlns="" val="3122200410"/>
                   </a:ext>
                 </a:extLst>
               </a:tr>
@@ -6580,7 +6580,7 @@
                 </a:tc>
                 <a:extLst>
                   <a:ext uri="{0D108BD9-81ED-4DB2-BD59-A6C34878D82A}">
-                    <a16:rowId xmlns:a16="http://schemas.microsoft.com/office/drawing/2014/main" val="1738977285"/>
+                    <a16:rowId xmlns:a16="http://schemas.microsoft.com/office/drawing/2014/main" xmlns="" val="1738977285"/>
                   </a:ext>
                 </a:extLst>
               </a:tr>
@@ -6651,7 +6651,7 @@
                 </a:tc>
                 <a:extLst>
                   <a:ext uri="{0D108BD9-81ED-4DB2-BD59-A6C34878D82A}">
-                    <a16:rowId xmlns:a16="http://schemas.microsoft.com/office/drawing/2014/main" val="156158276"/>
+                    <a16:rowId xmlns:a16="http://schemas.microsoft.com/office/drawing/2014/main" xmlns="" val="156158276"/>
                   </a:ext>
                 </a:extLst>
               </a:tr>
@@ -6763,7 +6763,7 @@
                 </a:tc>
                 <a:extLst>
                   <a:ext uri="{0D108BD9-81ED-4DB2-BD59-A6C34878D82A}">
-                    <a16:rowId xmlns:a16="http://schemas.microsoft.com/office/drawing/2014/main" val="2504791265"/>
+                    <a16:rowId xmlns:a16="http://schemas.microsoft.com/office/drawing/2014/main" xmlns="" val="2504791265"/>
                   </a:ext>
                 </a:extLst>
               </a:tr>
@@ -6861,7 +6861,7 @@
                 </a:tc>
                 <a:extLst>
                   <a:ext uri="{0D108BD9-81ED-4DB2-BD59-A6C34878D82A}">
-                    <a16:rowId xmlns:a16="http://schemas.microsoft.com/office/drawing/2014/main" val="3410485535"/>
+                    <a16:rowId xmlns:a16="http://schemas.microsoft.com/office/drawing/2014/main" xmlns="" val="3410485535"/>
                   </a:ext>
                 </a:extLst>
               </a:tr>
@@ -6959,7 +6959,7 @@
                 </a:tc>
                 <a:extLst>
                   <a:ext uri="{0D108BD9-81ED-4DB2-BD59-A6C34878D82A}">
-                    <a16:rowId xmlns:a16="http://schemas.microsoft.com/office/drawing/2014/main" val="930226619"/>
+                    <a16:rowId xmlns:a16="http://schemas.microsoft.com/office/drawing/2014/main" xmlns="" val="930226619"/>
                   </a:ext>
                 </a:extLst>
               </a:tr>
@@ -7057,7 +7057,7 @@
                 </a:tc>
                 <a:extLst>
                   <a:ext uri="{0D108BD9-81ED-4DB2-BD59-A6C34878D82A}">
-                    <a16:rowId xmlns:a16="http://schemas.microsoft.com/office/drawing/2014/main" val="2798892199"/>
+                    <a16:rowId xmlns:a16="http://schemas.microsoft.com/office/drawing/2014/main" xmlns="" val="2798892199"/>
                   </a:ext>
                 </a:extLst>
               </a:tr>
@@ -7121,7 +7121,7 @@
                 </a:tc>
                 <a:extLst>
                   <a:ext uri="{0D108BD9-81ED-4DB2-BD59-A6C34878D82A}">
-                    <a16:rowId xmlns:a16="http://schemas.microsoft.com/office/drawing/2014/main" val="4191199087"/>
+                    <a16:rowId xmlns:a16="http://schemas.microsoft.com/office/drawing/2014/main" xmlns="" val="4191199087"/>
                   </a:ext>
                 </a:extLst>
               </a:tr>
@@ -7182,7 +7182,7 @@
                 </a:tc>
                 <a:extLst>
                   <a:ext uri="{0D108BD9-81ED-4DB2-BD59-A6C34878D82A}">
-                    <a16:rowId xmlns:a16="http://schemas.microsoft.com/office/drawing/2014/main" val="2159459902"/>
+                    <a16:rowId xmlns:a16="http://schemas.microsoft.com/office/drawing/2014/main" xmlns="" val="2159459902"/>
                   </a:ext>
                 </a:extLst>
               </a:tr>
@@ -7253,7 +7253,7 @@
                 </a:tc>
                 <a:extLst>
                   <a:ext uri="{0D108BD9-81ED-4DB2-BD59-A6C34878D82A}">
-                    <a16:rowId xmlns:a16="http://schemas.microsoft.com/office/drawing/2014/main" val="2017459759"/>
+                    <a16:rowId xmlns:a16="http://schemas.microsoft.com/office/drawing/2014/main" xmlns="" val="2017459759"/>
                   </a:ext>
                 </a:extLst>
               </a:tr>
@@ -7368,7 +7368,7 @@
                 </a:tc>
                 <a:extLst>
                   <a:ext uri="{0D108BD9-81ED-4DB2-BD59-A6C34878D82A}">
-                    <a16:rowId xmlns:a16="http://schemas.microsoft.com/office/drawing/2014/main" val="3651952417"/>
+                    <a16:rowId xmlns:a16="http://schemas.microsoft.com/office/drawing/2014/main" xmlns="" val="3651952417"/>
                   </a:ext>
                 </a:extLst>
               </a:tr>
@@ -7476,7 +7476,7 @@
                 </a:tc>
                 <a:extLst>
                   <a:ext uri="{0D108BD9-81ED-4DB2-BD59-A6C34878D82A}">
-                    <a16:rowId xmlns:a16="http://schemas.microsoft.com/office/drawing/2014/main" val="3044223029"/>
+                    <a16:rowId xmlns:a16="http://schemas.microsoft.com/office/drawing/2014/main" xmlns="" val="3044223029"/>
                   </a:ext>
                 </a:extLst>
               </a:tr>
@@ -7540,7 +7540,7 @@
                 </a:tc>
                 <a:extLst>
                   <a:ext uri="{0D108BD9-81ED-4DB2-BD59-A6C34878D82A}">
-                    <a16:rowId xmlns:a16="http://schemas.microsoft.com/office/drawing/2014/main" val="562403350"/>
+                    <a16:rowId xmlns:a16="http://schemas.microsoft.com/office/drawing/2014/main" xmlns="" val="562403350"/>
                   </a:ext>
                 </a:extLst>
               </a:tr>
@@ -7583,7 +7583,7 @@
           <p:cNvPr id="2" name="Title 1">
             <a:extLst>
               <a:ext uri="{FF2B5EF4-FFF2-40B4-BE49-F238E27FC236}">
-                <a16:creationId xmlns:a16="http://schemas.microsoft.com/office/drawing/2014/main" id="{19DFD6DB-9D6A-510B-1484-142A54578CE6}"/>
+                <a16:creationId xmlns:a16="http://schemas.microsoft.com/office/drawing/2014/main" xmlns="" id="{19DFD6DB-9D6A-510B-1484-142A54578CE6}"/>
               </a:ext>
             </a:extLst>
           </p:cNvPr>
@@ -7611,7 +7611,7 @@
           <p:cNvPr id="3" name="Content Placeholder 2">
             <a:extLst>
               <a:ext uri="{FF2B5EF4-FFF2-40B4-BE49-F238E27FC236}">
-                <a16:creationId xmlns:a16="http://schemas.microsoft.com/office/drawing/2014/main" id="{15D90E25-A363-144B-C8D2-919B7B90788A}"/>
+                <a16:creationId xmlns:a16="http://schemas.microsoft.com/office/drawing/2014/main" xmlns="" id="{15D90E25-A363-144B-C8D2-919B7B90788A}"/>
               </a:ext>
             </a:extLst>
           </p:cNvPr>
@@ -8108,7 +8108,7 @@
           <p:cNvPr id="2" name="Title 1">
             <a:extLst>
               <a:ext uri="{FF2B5EF4-FFF2-40B4-BE49-F238E27FC236}">
-                <a16:creationId xmlns:a16="http://schemas.microsoft.com/office/drawing/2014/main" id="{AA05A3EA-36FD-3AB2-3EC6-C4703B87C3B9}"/>
+                <a16:creationId xmlns:a16="http://schemas.microsoft.com/office/drawing/2014/main" xmlns="" id="{AA05A3EA-36FD-3AB2-3EC6-C4703B87C3B9}"/>
               </a:ext>
             </a:extLst>
           </p:cNvPr>
@@ -8141,7 +8141,7 @@
           <p:cNvPr id="3" name="Content Placeholder 2">
             <a:extLst>
               <a:ext uri="{FF2B5EF4-FFF2-40B4-BE49-F238E27FC236}">
-                <a16:creationId xmlns:a16="http://schemas.microsoft.com/office/drawing/2014/main" id="{06CF0488-18B6-1ECE-356E-028A5ACFA7D6}"/>
+                <a16:creationId xmlns:a16="http://schemas.microsoft.com/office/drawing/2014/main" xmlns="" id="{06CF0488-18B6-1ECE-356E-028A5ACFA7D6}"/>
               </a:ext>
             </a:extLst>
           </p:cNvPr>
@@ -8253,6 +8253,16 @@
             <a:pPr marL="0" indent="0">
               <a:buNone/>
             </a:pPr>
+            <a:r>
+              <a:rPr lang="en-US" b="0" dirty="0">
+                <a:solidFill>
+                  <a:srgbClr val="000000"/>
+                </a:solidFill>
+                <a:effectLst/>
+                <a:latin typeface="Consolas" panose="020B0609020204030204" pitchFamily="49" charset="0"/>
+              </a:rPr>
+              <a:t/>
+            </a:r>
             <a:br>
               <a:rPr lang="en-US" b="0" dirty="0">
                 <a:solidFill>
@@ -8432,6 +8442,16 @@
             <a:pPr marL="0" indent="0">
               <a:buNone/>
             </a:pPr>
+            <a:r>
+              <a:rPr lang="en-US" b="0" dirty="0">
+                <a:solidFill>
+                  <a:srgbClr val="000000"/>
+                </a:solidFill>
+                <a:effectLst/>
+                <a:latin typeface="Consolas" panose="020B0609020204030204" pitchFamily="49" charset="0"/>
+              </a:rPr>
+              <a:t/>
+            </a:r>
             <a:br>
               <a:rPr lang="en-US" b="0" dirty="0">
                 <a:solidFill>
@@ -8548,7 +8568,7 @@
           <p:cNvPr id="2" name="Title 1">
             <a:extLst>
               <a:ext uri="{FF2B5EF4-FFF2-40B4-BE49-F238E27FC236}">
-                <a16:creationId xmlns:a16="http://schemas.microsoft.com/office/drawing/2014/main" id="{F0996B2A-EBE9-36C7-6CFE-6FA6F22C296B}"/>
+                <a16:creationId xmlns:a16="http://schemas.microsoft.com/office/drawing/2014/main" xmlns="" id="{F0996B2A-EBE9-36C7-6CFE-6FA6F22C296B}"/>
               </a:ext>
             </a:extLst>
           </p:cNvPr>
@@ -8576,7 +8596,7 @@
           <p:cNvPr id="3" name="Content Placeholder 2">
             <a:extLst>
               <a:ext uri="{FF2B5EF4-FFF2-40B4-BE49-F238E27FC236}">
-                <a16:creationId xmlns:a16="http://schemas.microsoft.com/office/drawing/2014/main" id="{6A8DAEB0-E4EF-3EC5-5CEF-74E6EAC221B4}"/>
+                <a16:creationId xmlns:a16="http://schemas.microsoft.com/office/drawing/2014/main" xmlns="" id="{6A8DAEB0-E4EF-3EC5-5CEF-74E6EAC221B4}"/>
               </a:ext>
             </a:extLst>
           </p:cNvPr>
@@ -8609,7 +8629,7 @@
           <p:cNvPr id="6" name="Picture 5">
             <a:extLst>
               <a:ext uri="{FF2B5EF4-FFF2-40B4-BE49-F238E27FC236}">
-                <a16:creationId xmlns:a16="http://schemas.microsoft.com/office/drawing/2014/main" id="{D5A90EFC-6A90-486F-9A5A-5E2613D90777}"/>
+                <a16:creationId xmlns:a16="http://schemas.microsoft.com/office/drawing/2014/main" xmlns="" id="{D5A90EFC-6A90-486F-9A5A-5E2613D90777}"/>
               </a:ext>
             </a:extLst>
           </p:cNvPr>
@@ -8690,7 +8710,7 @@
     </a:clrScheme>
     <a:fontScheme name="Office">
       <a:majorFont>
-        <a:latin typeface="Calibri Light" panose="020F0302020204030204"/>
+        <a:latin typeface="Calibri Light"/>
         <a:ea typeface=""/>
         <a:cs typeface=""/>
         <a:font script="Jpan" typeface="游ゴシック Light"/>
@@ -8742,7 +8762,7 @@
         <a:font script="Tfng" typeface="Ebrima"/>
       </a:majorFont>
       <a:minorFont>
-        <a:latin typeface="Calibri" panose="020F0502020204030204"/>
+        <a:latin typeface="Calibri"/>
         <a:ea typeface=""/>
         <a:cs typeface=""/>
         <a:font script="Jpan" typeface="游ゴシック"/>
@@ -8936,7 +8956,7 @@
   <a:extraClrSchemeLst/>
   <a:extLst>
     <a:ext uri="{05A4C25C-085E-4340-85A3-A5531E510DB2}">
-      <thm15:themeFamily xmlns:thm15="http://schemas.microsoft.com/office/thememl/2012/main" name="Office Theme" id="{62F939B6-93AF-4DB8-9C6B-D6C7DFDC589F}" vid="{4A3C46E8-61CC-4603-A589-7422A47A8E4A}"/>
+      <thm15:themeFamily xmlns:thm15="http://schemas.microsoft.com/office/thememl/2012/main" xmlns="" name="Office Theme" id="{62F939B6-93AF-4DB8-9C6B-D6C7DFDC589F}" vid="{4A3C46E8-61CC-4603-A589-7422A47A8E4A}"/>
     </a:ext>
   </a:extLst>
 </a:theme>
@@ -8985,7 +9005,7 @@
     </a:clrScheme>
     <a:fontScheme name="Office">
       <a:majorFont>
-        <a:latin typeface="Calibri Light" panose="020F0302020204030204"/>
+        <a:latin typeface="Calibri Light"/>
         <a:ea typeface=""/>
         <a:cs typeface=""/>
         <a:font script="Jpan" typeface="游ゴシック Light"/>
@@ -9037,7 +9057,7 @@
         <a:font script="Tfng" typeface="Ebrima"/>
       </a:majorFont>
       <a:minorFont>
-        <a:latin typeface="Calibri" panose="020F0502020204030204"/>
+        <a:latin typeface="Calibri"/>
         <a:ea typeface=""/>
         <a:cs typeface=""/>
         <a:font script="Jpan" typeface="游ゴシック"/>
@@ -9231,7 +9251,7 @@
   <a:extraClrSchemeLst/>
   <a:extLst>
     <a:ext uri="{05A4C25C-085E-4340-85A3-A5531E510DB2}">
-      <thm15:themeFamily xmlns:thm15="http://schemas.microsoft.com/office/thememl/2012/main" name="Office Theme" id="{62F939B6-93AF-4DB8-9C6B-D6C7DFDC589F}" vid="{4A3C46E8-61CC-4603-A589-7422A47A8E4A}"/>
+      <thm15:themeFamily xmlns:thm15="http://schemas.microsoft.com/office/thememl/2012/main" xmlns="" name="Office Theme" id="{62F939B6-93AF-4DB8-9C6B-D6C7DFDC589F}" vid="{4A3C46E8-61CC-4603-A589-7422A47A8E4A}"/>
     </a:ext>
   </a:extLst>
 </a:theme>
